--- a/storage/templates/ppt-text2.pptx
+++ b/storage/templates/ppt-text2.pptx
@@ -53,7 +53,7 @@
       </p:grpSpPr>
       <p:sp>
         <p:nvSpPr>
-          <p:cNvPr id="22" name="PlaceHolder 1"/>
+          <p:cNvPr id="23" name="PlaceHolder 1"/>
           <p:cNvSpPr>
             <a:spLocks noGrp="1"/>
           </p:cNvSpPr>
@@ -64,7 +64,7 @@
         <p:spPr>
           <a:xfrm>
             <a:off x="311760" y="744480"/>
-            <a:ext cx="8519760" cy="2052000"/>
+            <a:ext cx="8519400" cy="2051640"/>
           </a:xfrm>
           <a:prstGeom prst="rect">
             <a:avLst/>
@@ -84,7 +84,7 @@
       </p:sp>
       <p:sp>
         <p:nvSpPr>
-          <p:cNvPr id="23" name="PlaceHolder 2"/>
+          <p:cNvPr id="24" name="PlaceHolder 2"/>
           <p:cNvSpPr>
             <a:spLocks noGrp="1"/>
           </p:cNvSpPr>
@@ -95,37 +95,37 @@
         <p:spPr>
           <a:xfrm>
             <a:off x="457200" y="1203480"/>
-            <a:ext cx="8229240" cy="1422720"/>
-          </a:xfrm>
-          <a:prstGeom prst="rect">
-            <a:avLst/>
-          </a:prstGeom>
-        </p:spPr>
-        <p:txBody>
-          <a:bodyPr lIns="0" rIns="0" tIns="0" bIns="0">
-            <a:normAutofit/>
-          </a:bodyPr>
-          <a:p>
-            <a:endParaRPr b="0" lang="en-US" sz="3200" spc="-1" strike="noStrike">
-              <a:latin typeface="Arial"/>
-            </a:endParaRPr>
-          </a:p>
-        </p:txBody>
-      </p:sp>
-      <p:sp>
-        <p:nvSpPr>
-          <p:cNvPr id="24" name="PlaceHolder 3"/>
-          <p:cNvSpPr>
-            <a:spLocks noGrp="1"/>
-          </p:cNvSpPr>
-          <p:nvPr>
-            <p:ph type="body"/>
-          </p:nvPr>
-        </p:nvSpPr>
-        <p:spPr>
-          <a:xfrm>
-            <a:off x="457200" y="2761920"/>
-            <a:ext cx="8229240" cy="1422720"/>
+            <a:ext cx="8228880" cy="1422360"/>
+          </a:xfrm>
+          <a:prstGeom prst="rect">
+            <a:avLst/>
+          </a:prstGeom>
+        </p:spPr>
+        <p:txBody>
+          <a:bodyPr lIns="0" rIns="0" tIns="0" bIns="0">
+            <a:normAutofit/>
+          </a:bodyPr>
+          <a:p>
+            <a:endParaRPr b="0" lang="en-US" sz="3200" spc="-1" strike="noStrike">
+              <a:latin typeface="Arial"/>
+            </a:endParaRPr>
+          </a:p>
+        </p:txBody>
+      </p:sp>
+      <p:sp>
+        <p:nvSpPr>
+          <p:cNvPr id="25" name="PlaceHolder 3"/>
+          <p:cNvSpPr>
+            <a:spLocks noGrp="1"/>
+          </p:cNvSpPr>
+          <p:nvPr>
+            <p:ph type="body"/>
+          </p:nvPr>
+        </p:nvSpPr>
+        <p:spPr>
+          <a:xfrm>
+            <a:off x="457200" y="2761200"/>
+            <a:ext cx="8228880" cy="1422360"/>
           </a:xfrm>
           <a:prstGeom prst="rect">
             <a:avLst/>
@@ -166,7 +166,7 @@
       </p:grpSpPr>
       <p:sp>
         <p:nvSpPr>
-          <p:cNvPr id="25" name="PlaceHolder 1"/>
+          <p:cNvPr id="26" name="PlaceHolder 1"/>
           <p:cNvSpPr>
             <a:spLocks noGrp="1"/>
           </p:cNvSpPr>
@@ -177,7 +177,7 @@
         <p:spPr>
           <a:xfrm>
             <a:off x="311760" y="744480"/>
-            <a:ext cx="8519760" cy="2052000"/>
+            <a:ext cx="8519400" cy="2051640"/>
           </a:xfrm>
           <a:prstGeom prst="rect">
             <a:avLst/>
@@ -197,7 +197,7 @@
       </p:sp>
       <p:sp>
         <p:nvSpPr>
-          <p:cNvPr id="26" name="PlaceHolder 2"/>
+          <p:cNvPr id="27" name="PlaceHolder 2"/>
           <p:cNvSpPr>
             <a:spLocks noGrp="1"/>
           </p:cNvSpPr>
@@ -208,97 +208,97 @@
         <p:spPr>
           <a:xfrm>
             <a:off x="457200" y="1203480"/>
-            <a:ext cx="4015800" cy="1422720"/>
-          </a:xfrm>
-          <a:prstGeom prst="rect">
-            <a:avLst/>
-          </a:prstGeom>
-        </p:spPr>
-        <p:txBody>
-          <a:bodyPr lIns="0" rIns="0" tIns="0" bIns="0">
-            <a:normAutofit/>
-          </a:bodyPr>
-          <a:p>
-            <a:endParaRPr b="0" lang="en-US" sz="3200" spc="-1" strike="noStrike">
-              <a:latin typeface="Arial"/>
-            </a:endParaRPr>
-          </a:p>
-        </p:txBody>
-      </p:sp>
-      <p:sp>
-        <p:nvSpPr>
-          <p:cNvPr id="27" name="PlaceHolder 3"/>
-          <p:cNvSpPr>
-            <a:spLocks noGrp="1"/>
-          </p:cNvSpPr>
-          <p:nvPr>
-            <p:ph type="body"/>
-          </p:nvPr>
-        </p:nvSpPr>
-        <p:spPr>
-          <a:xfrm>
-            <a:off x="4674240" y="1203480"/>
-            <a:ext cx="4015800" cy="1422720"/>
-          </a:xfrm>
-          <a:prstGeom prst="rect">
-            <a:avLst/>
-          </a:prstGeom>
-        </p:spPr>
-        <p:txBody>
-          <a:bodyPr lIns="0" rIns="0" tIns="0" bIns="0">
-            <a:normAutofit/>
-          </a:bodyPr>
-          <a:p>
-            <a:endParaRPr b="0" lang="en-US" sz="3200" spc="-1" strike="noStrike">
-              <a:latin typeface="Arial"/>
-            </a:endParaRPr>
-          </a:p>
-        </p:txBody>
-      </p:sp>
-      <p:sp>
-        <p:nvSpPr>
-          <p:cNvPr id="28" name="PlaceHolder 4"/>
-          <p:cNvSpPr>
-            <a:spLocks noGrp="1"/>
-          </p:cNvSpPr>
-          <p:nvPr>
-            <p:ph type="body"/>
-          </p:nvPr>
-        </p:nvSpPr>
-        <p:spPr>
-          <a:xfrm>
-            <a:off x="457200" y="2761920"/>
-            <a:ext cx="4015800" cy="1422720"/>
-          </a:xfrm>
-          <a:prstGeom prst="rect">
-            <a:avLst/>
-          </a:prstGeom>
-        </p:spPr>
-        <p:txBody>
-          <a:bodyPr lIns="0" rIns="0" tIns="0" bIns="0">
-            <a:normAutofit/>
-          </a:bodyPr>
-          <a:p>
-            <a:endParaRPr b="0" lang="en-US" sz="3200" spc="-1" strike="noStrike">
-              <a:latin typeface="Arial"/>
-            </a:endParaRPr>
-          </a:p>
-        </p:txBody>
-      </p:sp>
-      <p:sp>
-        <p:nvSpPr>
-          <p:cNvPr id="29" name="PlaceHolder 5"/>
-          <p:cNvSpPr>
-            <a:spLocks noGrp="1"/>
-          </p:cNvSpPr>
-          <p:nvPr>
-            <p:ph type="body"/>
-          </p:nvPr>
-        </p:nvSpPr>
-        <p:spPr>
-          <a:xfrm>
-            <a:off x="4674240" y="2761920"/>
-            <a:ext cx="4015800" cy="1422720"/>
+            <a:ext cx="4015440" cy="1422360"/>
+          </a:xfrm>
+          <a:prstGeom prst="rect">
+            <a:avLst/>
+          </a:prstGeom>
+        </p:spPr>
+        <p:txBody>
+          <a:bodyPr lIns="0" rIns="0" tIns="0" bIns="0">
+            <a:normAutofit/>
+          </a:bodyPr>
+          <a:p>
+            <a:endParaRPr b="0" lang="en-US" sz="3200" spc="-1" strike="noStrike">
+              <a:latin typeface="Arial"/>
+            </a:endParaRPr>
+          </a:p>
+        </p:txBody>
+      </p:sp>
+      <p:sp>
+        <p:nvSpPr>
+          <p:cNvPr id="28" name="PlaceHolder 3"/>
+          <p:cNvSpPr>
+            <a:spLocks noGrp="1"/>
+          </p:cNvSpPr>
+          <p:nvPr>
+            <p:ph type="body"/>
+          </p:nvPr>
+        </p:nvSpPr>
+        <p:spPr>
+          <a:xfrm>
+            <a:off x="4673880" y="1203480"/>
+            <a:ext cx="4015440" cy="1422360"/>
+          </a:xfrm>
+          <a:prstGeom prst="rect">
+            <a:avLst/>
+          </a:prstGeom>
+        </p:spPr>
+        <p:txBody>
+          <a:bodyPr lIns="0" rIns="0" tIns="0" bIns="0">
+            <a:normAutofit/>
+          </a:bodyPr>
+          <a:p>
+            <a:endParaRPr b="0" lang="en-US" sz="3200" spc="-1" strike="noStrike">
+              <a:latin typeface="Arial"/>
+            </a:endParaRPr>
+          </a:p>
+        </p:txBody>
+      </p:sp>
+      <p:sp>
+        <p:nvSpPr>
+          <p:cNvPr id="29" name="PlaceHolder 4"/>
+          <p:cNvSpPr>
+            <a:spLocks noGrp="1"/>
+          </p:cNvSpPr>
+          <p:nvPr>
+            <p:ph type="body"/>
+          </p:nvPr>
+        </p:nvSpPr>
+        <p:spPr>
+          <a:xfrm>
+            <a:off x="457200" y="2761200"/>
+            <a:ext cx="4015440" cy="1422360"/>
+          </a:xfrm>
+          <a:prstGeom prst="rect">
+            <a:avLst/>
+          </a:prstGeom>
+        </p:spPr>
+        <p:txBody>
+          <a:bodyPr lIns="0" rIns="0" tIns="0" bIns="0">
+            <a:normAutofit/>
+          </a:bodyPr>
+          <a:p>
+            <a:endParaRPr b="0" lang="en-US" sz="3200" spc="-1" strike="noStrike">
+              <a:latin typeface="Arial"/>
+            </a:endParaRPr>
+          </a:p>
+        </p:txBody>
+      </p:sp>
+      <p:sp>
+        <p:nvSpPr>
+          <p:cNvPr id="30" name="PlaceHolder 5"/>
+          <p:cNvSpPr>
+            <a:spLocks noGrp="1"/>
+          </p:cNvSpPr>
+          <p:nvPr>
+            <p:ph type="body"/>
+          </p:nvPr>
+        </p:nvSpPr>
+        <p:spPr>
+          <a:xfrm>
+            <a:off x="4673880" y="2761200"/>
+            <a:ext cx="4015440" cy="1422360"/>
           </a:xfrm>
           <a:prstGeom prst="rect">
             <a:avLst/>
@@ -339,7 +339,7 @@
       </p:grpSpPr>
       <p:sp>
         <p:nvSpPr>
-          <p:cNvPr id="30" name="PlaceHolder 1"/>
+          <p:cNvPr id="31" name="PlaceHolder 1"/>
           <p:cNvSpPr>
             <a:spLocks noGrp="1"/>
           </p:cNvSpPr>
@@ -350,7 +350,7 @@
         <p:spPr>
           <a:xfrm>
             <a:off x="311760" y="744480"/>
-            <a:ext cx="8519760" cy="2052000"/>
+            <a:ext cx="8519400" cy="2051640"/>
           </a:xfrm>
           <a:prstGeom prst="rect">
             <a:avLst/>
@@ -370,7 +370,7 @@
       </p:sp>
       <p:sp>
         <p:nvSpPr>
-          <p:cNvPr id="31" name="PlaceHolder 2"/>
+          <p:cNvPr id="32" name="PlaceHolder 2"/>
           <p:cNvSpPr>
             <a:spLocks noGrp="1"/>
           </p:cNvSpPr>
@@ -381,26 +381,26 @@
         <p:spPr>
           <a:xfrm>
             <a:off x="457200" y="1203480"/>
-            <a:ext cx="2649600" cy="1422720"/>
-          </a:xfrm>
-          <a:prstGeom prst="rect">
-            <a:avLst/>
-          </a:prstGeom>
-        </p:spPr>
-        <p:txBody>
-          <a:bodyPr lIns="0" rIns="0" tIns="0" bIns="0">
-            <a:normAutofit/>
-          </a:bodyPr>
-          <a:p>
-            <a:endParaRPr b="0" lang="en-US" sz="3200" spc="-1" strike="noStrike">
-              <a:latin typeface="Arial"/>
-            </a:endParaRPr>
-          </a:p>
-        </p:txBody>
-      </p:sp>
-      <p:sp>
-        <p:nvSpPr>
-          <p:cNvPr id="32" name="PlaceHolder 3"/>
+            <a:ext cx="2649600" cy="1422360"/>
+          </a:xfrm>
+          <a:prstGeom prst="rect">
+            <a:avLst/>
+          </a:prstGeom>
+        </p:spPr>
+        <p:txBody>
+          <a:bodyPr lIns="0" rIns="0" tIns="0" bIns="0">
+            <a:normAutofit/>
+          </a:bodyPr>
+          <a:p>
+            <a:endParaRPr b="0" lang="en-US" sz="3200" spc="-1" strike="noStrike">
+              <a:latin typeface="Arial"/>
+            </a:endParaRPr>
+          </a:p>
+        </p:txBody>
+      </p:sp>
+      <p:sp>
+        <p:nvSpPr>
+          <p:cNvPr id="33" name="PlaceHolder 3"/>
           <p:cNvSpPr>
             <a:spLocks noGrp="1"/>
           </p:cNvSpPr>
@@ -411,26 +411,26 @@
         <p:spPr>
           <a:xfrm>
             <a:off x="3239640" y="1203480"/>
-            <a:ext cx="2649600" cy="1422720"/>
-          </a:xfrm>
-          <a:prstGeom prst="rect">
-            <a:avLst/>
-          </a:prstGeom>
-        </p:spPr>
-        <p:txBody>
-          <a:bodyPr lIns="0" rIns="0" tIns="0" bIns="0">
-            <a:normAutofit/>
-          </a:bodyPr>
-          <a:p>
-            <a:endParaRPr b="0" lang="en-US" sz="3200" spc="-1" strike="noStrike">
-              <a:latin typeface="Arial"/>
-            </a:endParaRPr>
-          </a:p>
-        </p:txBody>
-      </p:sp>
-      <p:sp>
-        <p:nvSpPr>
-          <p:cNvPr id="33" name="PlaceHolder 4"/>
+            <a:ext cx="2649600" cy="1422360"/>
+          </a:xfrm>
+          <a:prstGeom prst="rect">
+            <a:avLst/>
+          </a:prstGeom>
+        </p:spPr>
+        <p:txBody>
+          <a:bodyPr lIns="0" rIns="0" tIns="0" bIns="0">
+            <a:normAutofit/>
+          </a:bodyPr>
+          <a:p>
+            <a:endParaRPr b="0" lang="en-US" sz="3200" spc="-1" strike="noStrike">
+              <a:latin typeface="Arial"/>
+            </a:endParaRPr>
+          </a:p>
+        </p:txBody>
+      </p:sp>
+      <p:sp>
+        <p:nvSpPr>
+          <p:cNvPr id="34" name="PlaceHolder 4"/>
           <p:cNvSpPr>
             <a:spLocks noGrp="1"/>
           </p:cNvSpPr>
@@ -441,97 +441,97 @@
         <p:spPr>
           <a:xfrm>
             <a:off x="6022080" y="1203480"/>
-            <a:ext cx="2649600" cy="1422720"/>
-          </a:xfrm>
-          <a:prstGeom prst="rect">
-            <a:avLst/>
-          </a:prstGeom>
-        </p:spPr>
-        <p:txBody>
-          <a:bodyPr lIns="0" rIns="0" tIns="0" bIns="0">
-            <a:normAutofit/>
-          </a:bodyPr>
-          <a:p>
-            <a:endParaRPr b="0" lang="en-US" sz="3200" spc="-1" strike="noStrike">
-              <a:latin typeface="Arial"/>
-            </a:endParaRPr>
-          </a:p>
-        </p:txBody>
-      </p:sp>
-      <p:sp>
-        <p:nvSpPr>
-          <p:cNvPr id="34" name="PlaceHolder 5"/>
-          <p:cNvSpPr>
-            <a:spLocks noGrp="1"/>
-          </p:cNvSpPr>
-          <p:nvPr>
-            <p:ph type="body"/>
-          </p:nvPr>
-        </p:nvSpPr>
-        <p:spPr>
-          <a:xfrm>
-            <a:off x="457200" y="2761920"/>
-            <a:ext cx="2649600" cy="1422720"/>
-          </a:xfrm>
-          <a:prstGeom prst="rect">
-            <a:avLst/>
-          </a:prstGeom>
-        </p:spPr>
-        <p:txBody>
-          <a:bodyPr lIns="0" rIns="0" tIns="0" bIns="0">
-            <a:normAutofit/>
-          </a:bodyPr>
-          <a:p>
-            <a:endParaRPr b="0" lang="en-US" sz="3200" spc="-1" strike="noStrike">
-              <a:latin typeface="Arial"/>
-            </a:endParaRPr>
-          </a:p>
-        </p:txBody>
-      </p:sp>
-      <p:sp>
-        <p:nvSpPr>
-          <p:cNvPr id="35" name="PlaceHolder 6"/>
-          <p:cNvSpPr>
-            <a:spLocks noGrp="1"/>
-          </p:cNvSpPr>
-          <p:nvPr>
-            <p:ph type="body"/>
-          </p:nvPr>
-        </p:nvSpPr>
-        <p:spPr>
-          <a:xfrm>
-            <a:off x="3239640" y="2761920"/>
-            <a:ext cx="2649600" cy="1422720"/>
-          </a:xfrm>
-          <a:prstGeom prst="rect">
-            <a:avLst/>
-          </a:prstGeom>
-        </p:spPr>
-        <p:txBody>
-          <a:bodyPr lIns="0" rIns="0" tIns="0" bIns="0">
-            <a:normAutofit/>
-          </a:bodyPr>
-          <a:p>
-            <a:endParaRPr b="0" lang="en-US" sz="3200" spc="-1" strike="noStrike">
-              <a:latin typeface="Arial"/>
-            </a:endParaRPr>
-          </a:p>
-        </p:txBody>
-      </p:sp>
-      <p:sp>
-        <p:nvSpPr>
-          <p:cNvPr id="36" name="PlaceHolder 7"/>
-          <p:cNvSpPr>
-            <a:spLocks noGrp="1"/>
-          </p:cNvSpPr>
-          <p:nvPr>
-            <p:ph type="body"/>
-          </p:nvPr>
-        </p:nvSpPr>
-        <p:spPr>
-          <a:xfrm>
-            <a:off x="6022080" y="2761920"/>
-            <a:ext cx="2649600" cy="1422720"/>
+            <a:ext cx="2649600" cy="1422360"/>
+          </a:xfrm>
+          <a:prstGeom prst="rect">
+            <a:avLst/>
+          </a:prstGeom>
+        </p:spPr>
+        <p:txBody>
+          <a:bodyPr lIns="0" rIns="0" tIns="0" bIns="0">
+            <a:normAutofit/>
+          </a:bodyPr>
+          <a:p>
+            <a:endParaRPr b="0" lang="en-US" sz="3200" spc="-1" strike="noStrike">
+              <a:latin typeface="Arial"/>
+            </a:endParaRPr>
+          </a:p>
+        </p:txBody>
+      </p:sp>
+      <p:sp>
+        <p:nvSpPr>
+          <p:cNvPr id="35" name="PlaceHolder 5"/>
+          <p:cNvSpPr>
+            <a:spLocks noGrp="1"/>
+          </p:cNvSpPr>
+          <p:nvPr>
+            <p:ph type="body"/>
+          </p:nvPr>
+        </p:nvSpPr>
+        <p:spPr>
+          <a:xfrm>
+            <a:off x="457200" y="2761200"/>
+            <a:ext cx="2649600" cy="1422360"/>
+          </a:xfrm>
+          <a:prstGeom prst="rect">
+            <a:avLst/>
+          </a:prstGeom>
+        </p:spPr>
+        <p:txBody>
+          <a:bodyPr lIns="0" rIns="0" tIns="0" bIns="0">
+            <a:normAutofit/>
+          </a:bodyPr>
+          <a:p>
+            <a:endParaRPr b="0" lang="en-US" sz="3200" spc="-1" strike="noStrike">
+              <a:latin typeface="Arial"/>
+            </a:endParaRPr>
+          </a:p>
+        </p:txBody>
+      </p:sp>
+      <p:sp>
+        <p:nvSpPr>
+          <p:cNvPr id="36" name="PlaceHolder 6"/>
+          <p:cNvSpPr>
+            <a:spLocks noGrp="1"/>
+          </p:cNvSpPr>
+          <p:nvPr>
+            <p:ph type="body"/>
+          </p:nvPr>
+        </p:nvSpPr>
+        <p:spPr>
+          <a:xfrm>
+            <a:off x="3239640" y="2761200"/>
+            <a:ext cx="2649600" cy="1422360"/>
+          </a:xfrm>
+          <a:prstGeom prst="rect">
+            <a:avLst/>
+          </a:prstGeom>
+        </p:spPr>
+        <p:txBody>
+          <a:bodyPr lIns="0" rIns="0" tIns="0" bIns="0">
+            <a:normAutofit/>
+          </a:bodyPr>
+          <a:p>
+            <a:endParaRPr b="0" lang="en-US" sz="3200" spc="-1" strike="noStrike">
+              <a:latin typeface="Arial"/>
+            </a:endParaRPr>
+          </a:p>
+        </p:txBody>
+      </p:sp>
+      <p:sp>
+        <p:nvSpPr>
+          <p:cNvPr id="37" name="PlaceHolder 7"/>
+          <p:cNvSpPr>
+            <a:spLocks noGrp="1"/>
+          </p:cNvSpPr>
+          <p:nvPr>
+            <p:ph type="body"/>
+          </p:nvPr>
+        </p:nvSpPr>
+        <p:spPr>
+          <a:xfrm>
+            <a:off x="6022080" y="2761200"/>
+            <a:ext cx="2649600" cy="1422360"/>
           </a:xfrm>
           <a:prstGeom prst="rect">
             <a:avLst/>
@@ -572,7 +572,7 @@
       </p:grpSpPr>
       <p:sp>
         <p:nvSpPr>
-          <p:cNvPr id="1" name="PlaceHolder 1"/>
+          <p:cNvPr id="2" name="PlaceHolder 1"/>
           <p:cNvSpPr>
             <a:spLocks noGrp="1"/>
           </p:cNvSpPr>
@@ -583,7 +583,7 @@
         <p:spPr>
           <a:xfrm>
             <a:off x="311760" y="744480"/>
-            <a:ext cx="8519760" cy="2052000"/>
+            <a:ext cx="8519400" cy="2051640"/>
           </a:xfrm>
           <a:prstGeom prst="rect">
             <a:avLst/>
@@ -603,7 +603,7 @@
       </p:sp>
       <p:sp>
         <p:nvSpPr>
-          <p:cNvPr id="2" name="PlaceHolder 2"/>
+          <p:cNvPr id="3" name="PlaceHolder 2"/>
           <p:cNvSpPr>
             <a:spLocks noGrp="1"/>
           </p:cNvSpPr>
@@ -614,7 +614,7 @@
         <p:spPr>
           <a:xfrm>
             <a:off x="457200" y="1203480"/>
-            <a:ext cx="8229240" cy="2982960"/>
+            <a:ext cx="8228880" cy="2982600"/>
           </a:xfrm>
           <a:prstGeom prst="rect">
             <a:avLst/>
@@ -656,7 +656,7 @@
       </p:grpSpPr>
       <p:sp>
         <p:nvSpPr>
-          <p:cNvPr id="3" name="PlaceHolder 1"/>
+          <p:cNvPr id="4" name="PlaceHolder 1"/>
           <p:cNvSpPr>
             <a:spLocks noGrp="1"/>
           </p:cNvSpPr>
@@ -667,7 +667,7 @@
         <p:spPr>
           <a:xfrm>
             <a:off x="311760" y="744480"/>
-            <a:ext cx="8519760" cy="2052000"/>
+            <a:ext cx="8519400" cy="2051640"/>
           </a:xfrm>
           <a:prstGeom prst="rect">
             <a:avLst/>
@@ -687,7 +687,7 @@
       </p:sp>
       <p:sp>
         <p:nvSpPr>
-          <p:cNvPr id="4" name="PlaceHolder 2"/>
+          <p:cNvPr id="5" name="PlaceHolder 2"/>
           <p:cNvSpPr>
             <a:spLocks noGrp="1"/>
           </p:cNvSpPr>
@@ -698,7 +698,7 @@
         <p:spPr>
           <a:xfrm>
             <a:off x="457200" y="1203480"/>
-            <a:ext cx="8229240" cy="2982960"/>
+            <a:ext cx="8228880" cy="2982600"/>
           </a:xfrm>
           <a:prstGeom prst="rect">
             <a:avLst/>
@@ -739,7 +739,7 @@
       </p:grpSpPr>
       <p:sp>
         <p:nvSpPr>
-          <p:cNvPr id="5" name="PlaceHolder 1"/>
+          <p:cNvPr id="6" name="PlaceHolder 1"/>
           <p:cNvSpPr>
             <a:spLocks noGrp="1"/>
           </p:cNvSpPr>
@@ -750,7 +750,7 @@
         <p:spPr>
           <a:xfrm>
             <a:off x="311760" y="744480"/>
-            <a:ext cx="8519760" cy="2052000"/>
+            <a:ext cx="8519400" cy="2051640"/>
           </a:xfrm>
           <a:prstGeom prst="rect">
             <a:avLst/>
@@ -770,7 +770,7 @@
       </p:sp>
       <p:sp>
         <p:nvSpPr>
-          <p:cNvPr id="6" name="PlaceHolder 2"/>
+          <p:cNvPr id="7" name="PlaceHolder 2"/>
           <p:cNvSpPr>
             <a:spLocks noGrp="1"/>
           </p:cNvSpPr>
@@ -781,37 +781,37 @@
         <p:spPr>
           <a:xfrm>
             <a:off x="457200" y="1203480"/>
-            <a:ext cx="4015800" cy="2982960"/>
-          </a:xfrm>
-          <a:prstGeom prst="rect">
-            <a:avLst/>
-          </a:prstGeom>
-        </p:spPr>
-        <p:txBody>
-          <a:bodyPr lIns="0" rIns="0" tIns="0" bIns="0">
-            <a:normAutofit/>
-          </a:bodyPr>
-          <a:p>
-            <a:endParaRPr b="0" lang="en-US" sz="3200" spc="-1" strike="noStrike">
-              <a:latin typeface="Arial"/>
-            </a:endParaRPr>
-          </a:p>
-        </p:txBody>
-      </p:sp>
-      <p:sp>
-        <p:nvSpPr>
-          <p:cNvPr id="7" name="PlaceHolder 3"/>
-          <p:cNvSpPr>
-            <a:spLocks noGrp="1"/>
-          </p:cNvSpPr>
-          <p:nvPr>
-            <p:ph type="body"/>
-          </p:nvPr>
-        </p:nvSpPr>
-        <p:spPr>
-          <a:xfrm>
-            <a:off x="4674240" y="1203480"/>
-            <a:ext cx="4015800" cy="2982960"/>
+            <a:ext cx="4015440" cy="2982600"/>
+          </a:xfrm>
+          <a:prstGeom prst="rect">
+            <a:avLst/>
+          </a:prstGeom>
+        </p:spPr>
+        <p:txBody>
+          <a:bodyPr lIns="0" rIns="0" tIns="0" bIns="0">
+            <a:normAutofit/>
+          </a:bodyPr>
+          <a:p>
+            <a:endParaRPr b="0" lang="en-US" sz="3200" spc="-1" strike="noStrike">
+              <a:latin typeface="Arial"/>
+            </a:endParaRPr>
+          </a:p>
+        </p:txBody>
+      </p:sp>
+      <p:sp>
+        <p:nvSpPr>
+          <p:cNvPr id="8" name="PlaceHolder 3"/>
+          <p:cNvSpPr>
+            <a:spLocks noGrp="1"/>
+          </p:cNvSpPr>
+          <p:nvPr>
+            <p:ph type="body"/>
+          </p:nvPr>
+        </p:nvSpPr>
+        <p:spPr>
+          <a:xfrm>
+            <a:off x="4673880" y="1203480"/>
+            <a:ext cx="4015440" cy="2982600"/>
           </a:xfrm>
           <a:prstGeom prst="rect">
             <a:avLst/>
@@ -852,7 +852,7 @@
       </p:grpSpPr>
       <p:sp>
         <p:nvSpPr>
-          <p:cNvPr id="8" name="PlaceHolder 1"/>
+          <p:cNvPr id="9" name="PlaceHolder 1"/>
           <p:cNvSpPr>
             <a:spLocks noGrp="1"/>
           </p:cNvSpPr>
@@ -863,7 +863,7 @@
         <p:spPr>
           <a:xfrm>
             <a:off x="311760" y="744480"/>
-            <a:ext cx="8519760" cy="2052000"/>
+            <a:ext cx="8519400" cy="2051640"/>
           </a:xfrm>
           <a:prstGeom prst="rect">
             <a:avLst/>
@@ -905,7 +905,7 @@
       </p:grpSpPr>
       <p:sp>
         <p:nvSpPr>
-          <p:cNvPr id="9" name="PlaceHolder 1"/>
+          <p:cNvPr id="10" name="PlaceHolder 1"/>
           <p:cNvSpPr>
             <a:spLocks noGrp="1"/>
           </p:cNvSpPr>
@@ -916,7 +916,7 @@
         <p:spPr>
           <a:xfrm>
             <a:off x="311760" y="744480"/>
-            <a:ext cx="8519760" cy="9513000"/>
+            <a:ext cx="8519400" cy="9511560"/>
           </a:xfrm>
           <a:prstGeom prst="rect">
             <a:avLst/>
@@ -958,7 +958,7 @@
       </p:grpSpPr>
       <p:sp>
         <p:nvSpPr>
-          <p:cNvPr id="10" name="PlaceHolder 1"/>
+          <p:cNvPr id="11" name="PlaceHolder 1"/>
           <p:cNvSpPr>
             <a:spLocks noGrp="1"/>
           </p:cNvSpPr>
@@ -969,7 +969,7 @@
         <p:spPr>
           <a:xfrm>
             <a:off x="311760" y="744480"/>
-            <a:ext cx="8519760" cy="2052000"/>
+            <a:ext cx="8519400" cy="2051640"/>
           </a:xfrm>
           <a:prstGeom prst="rect">
             <a:avLst/>
@@ -989,7 +989,7 @@
       </p:sp>
       <p:sp>
         <p:nvSpPr>
-          <p:cNvPr id="11" name="PlaceHolder 2"/>
+          <p:cNvPr id="12" name="PlaceHolder 2"/>
           <p:cNvSpPr>
             <a:spLocks noGrp="1"/>
           </p:cNvSpPr>
@@ -1000,67 +1000,67 @@
         <p:spPr>
           <a:xfrm>
             <a:off x="457200" y="1203480"/>
-            <a:ext cx="4015800" cy="1422720"/>
-          </a:xfrm>
-          <a:prstGeom prst="rect">
-            <a:avLst/>
-          </a:prstGeom>
-        </p:spPr>
-        <p:txBody>
-          <a:bodyPr lIns="0" rIns="0" tIns="0" bIns="0">
-            <a:normAutofit/>
-          </a:bodyPr>
-          <a:p>
-            <a:endParaRPr b="0" lang="en-US" sz="3200" spc="-1" strike="noStrike">
-              <a:latin typeface="Arial"/>
-            </a:endParaRPr>
-          </a:p>
-        </p:txBody>
-      </p:sp>
-      <p:sp>
-        <p:nvSpPr>
-          <p:cNvPr id="12" name="PlaceHolder 3"/>
-          <p:cNvSpPr>
-            <a:spLocks noGrp="1"/>
-          </p:cNvSpPr>
-          <p:nvPr>
-            <p:ph type="body"/>
-          </p:nvPr>
-        </p:nvSpPr>
-        <p:spPr>
-          <a:xfrm>
-            <a:off x="4674240" y="1203480"/>
-            <a:ext cx="4015800" cy="2982960"/>
-          </a:xfrm>
-          <a:prstGeom prst="rect">
-            <a:avLst/>
-          </a:prstGeom>
-        </p:spPr>
-        <p:txBody>
-          <a:bodyPr lIns="0" rIns="0" tIns="0" bIns="0">
-            <a:normAutofit/>
-          </a:bodyPr>
-          <a:p>
-            <a:endParaRPr b="0" lang="en-US" sz="3200" spc="-1" strike="noStrike">
-              <a:latin typeface="Arial"/>
-            </a:endParaRPr>
-          </a:p>
-        </p:txBody>
-      </p:sp>
-      <p:sp>
-        <p:nvSpPr>
-          <p:cNvPr id="13" name="PlaceHolder 4"/>
-          <p:cNvSpPr>
-            <a:spLocks noGrp="1"/>
-          </p:cNvSpPr>
-          <p:nvPr>
-            <p:ph type="body"/>
-          </p:nvPr>
-        </p:nvSpPr>
-        <p:spPr>
-          <a:xfrm>
-            <a:off x="457200" y="2761920"/>
-            <a:ext cx="4015800" cy="1422720"/>
+            <a:ext cx="4015440" cy="1422360"/>
+          </a:xfrm>
+          <a:prstGeom prst="rect">
+            <a:avLst/>
+          </a:prstGeom>
+        </p:spPr>
+        <p:txBody>
+          <a:bodyPr lIns="0" rIns="0" tIns="0" bIns="0">
+            <a:normAutofit/>
+          </a:bodyPr>
+          <a:p>
+            <a:endParaRPr b="0" lang="en-US" sz="3200" spc="-1" strike="noStrike">
+              <a:latin typeface="Arial"/>
+            </a:endParaRPr>
+          </a:p>
+        </p:txBody>
+      </p:sp>
+      <p:sp>
+        <p:nvSpPr>
+          <p:cNvPr id="13" name="PlaceHolder 3"/>
+          <p:cNvSpPr>
+            <a:spLocks noGrp="1"/>
+          </p:cNvSpPr>
+          <p:nvPr>
+            <p:ph type="body"/>
+          </p:nvPr>
+        </p:nvSpPr>
+        <p:spPr>
+          <a:xfrm>
+            <a:off x="4673880" y="1203480"/>
+            <a:ext cx="4015440" cy="2982600"/>
+          </a:xfrm>
+          <a:prstGeom prst="rect">
+            <a:avLst/>
+          </a:prstGeom>
+        </p:spPr>
+        <p:txBody>
+          <a:bodyPr lIns="0" rIns="0" tIns="0" bIns="0">
+            <a:normAutofit/>
+          </a:bodyPr>
+          <a:p>
+            <a:endParaRPr b="0" lang="en-US" sz="3200" spc="-1" strike="noStrike">
+              <a:latin typeface="Arial"/>
+            </a:endParaRPr>
+          </a:p>
+        </p:txBody>
+      </p:sp>
+      <p:sp>
+        <p:nvSpPr>
+          <p:cNvPr id="14" name="PlaceHolder 4"/>
+          <p:cNvSpPr>
+            <a:spLocks noGrp="1"/>
+          </p:cNvSpPr>
+          <p:nvPr>
+            <p:ph type="body"/>
+          </p:nvPr>
+        </p:nvSpPr>
+        <p:spPr>
+          <a:xfrm>
+            <a:off x="457200" y="2761200"/>
+            <a:ext cx="4015440" cy="1422360"/>
           </a:xfrm>
           <a:prstGeom prst="rect">
             <a:avLst/>
@@ -1101,7 +1101,7 @@
       </p:grpSpPr>
       <p:sp>
         <p:nvSpPr>
-          <p:cNvPr id="14" name="PlaceHolder 1"/>
+          <p:cNvPr id="15" name="PlaceHolder 1"/>
           <p:cNvSpPr>
             <a:spLocks noGrp="1"/>
           </p:cNvSpPr>
@@ -1112,7 +1112,7 @@
         <p:spPr>
           <a:xfrm>
             <a:off x="311760" y="744480"/>
-            <a:ext cx="8519760" cy="2052000"/>
+            <a:ext cx="8519400" cy="2051640"/>
           </a:xfrm>
           <a:prstGeom prst="rect">
             <a:avLst/>
@@ -1132,7 +1132,7 @@
       </p:sp>
       <p:sp>
         <p:nvSpPr>
-          <p:cNvPr id="15" name="PlaceHolder 2"/>
+          <p:cNvPr id="16" name="PlaceHolder 2"/>
           <p:cNvSpPr>
             <a:spLocks noGrp="1"/>
           </p:cNvSpPr>
@@ -1143,67 +1143,67 @@
         <p:spPr>
           <a:xfrm>
             <a:off x="457200" y="1203480"/>
-            <a:ext cx="4015800" cy="2982960"/>
-          </a:xfrm>
-          <a:prstGeom prst="rect">
-            <a:avLst/>
-          </a:prstGeom>
-        </p:spPr>
-        <p:txBody>
-          <a:bodyPr lIns="0" rIns="0" tIns="0" bIns="0">
-            <a:normAutofit/>
-          </a:bodyPr>
-          <a:p>
-            <a:endParaRPr b="0" lang="en-US" sz="3200" spc="-1" strike="noStrike">
-              <a:latin typeface="Arial"/>
-            </a:endParaRPr>
-          </a:p>
-        </p:txBody>
-      </p:sp>
-      <p:sp>
-        <p:nvSpPr>
-          <p:cNvPr id="16" name="PlaceHolder 3"/>
-          <p:cNvSpPr>
-            <a:spLocks noGrp="1"/>
-          </p:cNvSpPr>
-          <p:nvPr>
-            <p:ph type="body"/>
-          </p:nvPr>
-        </p:nvSpPr>
-        <p:spPr>
-          <a:xfrm>
-            <a:off x="4674240" y="1203480"/>
-            <a:ext cx="4015800" cy="1422720"/>
-          </a:xfrm>
-          <a:prstGeom prst="rect">
-            <a:avLst/>
-          </a:prstGeom>
-        </p:spPr>
-        <p:txBody>
-          <a:bodyPr lIns="0" rIns="0" tIns="0" bIns="0">
-            <a:normAutofit/>
-          </a:bodyPr>
-          <a:p>
-            <a:endParaRPr b="0" lang="en-US" sz="3200" spc="-1" strike="noStrike">
-              <a:latin typeface="Arial"/>
-            </a:endParaRPr>
-          </a:p>
-        </p:txBody>
-      </p:sp>
-      <p:sp>
-        <p:nvSpPr>
-          <p:cNvPr id="17" name="PlaceHolder 4"/>
-          <p:cNvSpPr>
-            <a:spLocks noGrp="1"/>
-          </p:cNvSpPr>
-          <p:nvPr>
-            <p:ph type="body"/>
-          </p:nvPr>
-        </p:nvSpPr>
-        <p:spPr>
-          <a:xfrm>
-            <a:off x="4674240" y="2761920"/>
-            <a:ext cx="4015800" cy="1422720"/>
+            <a:ext cx="4015440" cy="2982600"/>
+          </a:xfrm>
+          <a:prstGeom prst="rect">
+            <a:avLst/>
+          </a:prstGeom>
+        </p:spPr>
+        <p:txBody>
+          <a:bodyPr lIns="0" rIns="0" tIns="0" bIns="0">
+            <a:normAutofit/>
+          </a:bodyPr>
+          <a:p>
+            <a:endParaRPr b="0" lang="en-US" sz="3200" spc="-1" strike="noStrike">
+              <a:latin typeface="Arial"/>
+            </a:endParaRPr>
+          </a:p>
+        </p:txBody>
+      </p:sp>
+      <p:sp>
+        <p:nvSpPr>
+          <p:cNvPr id="17" name="PlaceHolder 3"/>
+          <p:cNvSpPr>
+            <a:spLocks noGrp="1"/>
+          </p:cNvSpPr>
+          <p:nvPr>
+            <p:ph type="body"/>
+          </p:nvPr>
+        </p:nvSpPr>
+        <p:spPr>
+          <a:xfrm>
+            <a:off x="4673880" y="1203480"/>
+            <a:ext cx="4015440" cy="1422360"/>
+          </a:xfrm>
+          <a:prstGeom prst="rect">
+            <a:avLst/>
+          </a:prstGeom>
+        </p:spPr>
+        <p:txBody>
+          <a:bodyPr lIns="0" rIns="0" tIns="0" bIns="0">
+            <a:normAutofit/>
+          </a:bodyPr>
+          <a:p>
+            <a:endParaRPr b="0" lang="en-US" sz="3200" spc="-1" strike="noStrike">
+              <a:latin typeface="Arial"/>
+            </a:endParaRPr>
+          </a:p>
+        </p:txBody>
+      </p:sp>
+      <p:sp>
+        <p:nvSpPr>
+          <p:cNvPr id="18" name="PlaceHolder 4"/>
+          <p:cNvSpPr>
+            <a:spLocks noGrp="1"/>
+          </p:cNvSpPr>
+          <p:nvPr>
+            <p:ph type="body"/>
+          </p:nvPr>
+        </p:nvSpPr>
+        <p:spPr>
+          <a:xfrm>
+            <a:off x="4673880" y="2761200"/>
+            <a:ext cx="4015440" cy="1422360"/>
           </a:xfrm>
           <a:prstGeom prst="rect">
             <a:avLst/>
@@ -1244,7 +1244,7 @@
       </p:grpSpPr>
       <p:sp>
         <p:nvSpPr>
-          <p:cNvPr id="18" name="PlaceHolder 1"/>
+          <p:cNvPr id="19" name="PlaceHolder 1"/>
           <p:cNvSpPr>
             <a:spLocks noGrp="1"/>
           </p:cNvSpPr>
@@ -1255,7 +1255,7 @@
         <p:spPr>
           <a:xfrm>
             <a:off x="311760" y="744480"/>
-            <a:ext cx="8519760" cy="2052000"/>
+            <a:ext cx="8519400" cy="2051640"/>
           </a:xfrm>
           <a:prstGeom prst="rect">
             <a:avLst/>
@@ -1275,7 +1275,7 @@
       </p:sp>
       <p:sp>
         <p:nvSpPr>
-          <p:cNvPr id="19" name="PlaceHolder 2"/>
+          <p:cNvPr id="20" name="PlaceHolder 2"/>
           <p:cNvSpPr>
             <a:spLocks noGrp="1"/>
           </p:cNvSpPr>
@@ -1286,67 +1286,67 @@
         <p:spPr>
           <a:xfrm>
             <a:off x="457200" y="1203480"/>
-            <a:ext cx="4015800" cy="1422720"/>
-          </a:xfrm>
-          <a:prstGeom prst="rect">
-            <a:avLst/>
-          </a:prstGeom>
-        </p:spPr>
-        <p:txBody>
-          <a:bodyPr lIns="0" rIns="0" tIns="0" bIns="0">
-            <a:normAutofit/>
-          </a:bodyPr>
-          <a:p>
-            <a:endParaRPr b="0" lang="en-US" sz="3200" spc="-1" strike="noStrike">
-              <a:latin typeface="Arial"/>
-            </a:endParaRPr>
-          </a:p>
-        </p:txBody>
-      </p:sp>
-      <p:sp>
-        <p:nvSpPr>
-          <p:cNvPr id="20" name="PlaceHolder 3"/>
-          <p:cNvSpPr>
-            <a:spLocks noGrp="1"/>
-          </p:cNvSpPr>
-          <p:nvPr>
-            <p:ph type="body"/>
-          </p:nvPr>
-        </p:nvSpPr>
-        <p:spPr>
-          <a:xfrm>
-            <a:off x="4674240" y="1203480"/>
-            <a:ext cx="4015800" cy="1422720"/>
-          </a:xfrm>
-          <a:prstGeom prst="rect">
-            <a:avLst/>
-          </a:prstGeom>
-        </p:spPr>
-        <p:txBody>
-          <a:bodyPr lIns="0" rIns="0" tIns="0" bIns="0">
-            <a:normAutofit/>
-          </a:bodyPr>
-          <a:p>
-            <a:endParaRPr b="0" lang="en-US" sz="3200" spc="-1" strike="noStrike">
-              <a:latin typeface="Arial"/>
-            </a:endParaRPr>
-          </a:p>
-        </p:txBody>
-      </p:sp>
-      <p:sp>
-        <p:nvSpPr>
-          <p:cNvPr id="21" name="PlaceHolder 4"/>
-          <p:cNvSpPr>
-            <a:spLocks noGrp="1"/>
-          </p:cNvSpPr>
-          <p:nvPr>
-            <p:ph type="body"/>
-          </p:nvPr>
-        </p:nvSpPr>
-        <p:spPr>
-          <a:xfrm>
-            <a:off x="457200" y="2761920"/>
-            <a:ext cx="8229240" cy="1422720"/>
+            <a:ext cx="4015440" cy="1422360"/>
+          </a:xfrm>
+          <a:prstGeom prst="rect">
+            <a:avLst/>
+          </a:prstGeom>
+        </p:spPr>
+        <p:txBody>
+          <a:bodyPr lIns="0" rIns="0" tIns="0" bIns="0">
+            <a:normAutofit/>
+          </a:bodyPr>
+          <a:p>
+            <a:endParaRPr b="0" lang="en-US" sz="3200" spc="-1" strike="noStrike">
+              <a:latin typeface="Arial"/>
+            </a:endParaRPr>
+          </a:p>
+        </p:txBody>
+      </p:sp>
+      <p:sp>
+        <p:nvSpPr>
+          <p:cNvPr id="21" name="PlaceHolder 3"/>
+          <p:cNvSpPr>
+            <a:spLocks noGrp="1"/>
+          </p:cNvSpPr>
+          <p:nvPr>
+            <p:ph type="body"/>
+          </p:nvPr>
+        </p:nvSpPr>
+        <p:spPr>
+          <a:xfrm>
+            <a:off x="4673880" y="1203480"/>
+            <a:ext cx="4015440" cy="1422360"/>
+          </a:xfrm>
+          <a:prstGeom prst="rect">
+            <a:avLst/>
+          </a:prstGeom>
+        </p:spPr>
+        <p:txBody>
+          <a:bodyPr lIns="0" rIns="0" tIns="0" bIns="0">
+            <a:normAutofit/>
+          </a:bodyPr>
+          <a:p>
+            <a:endParaRPr b="0" lang="en-US" sz="3200" spc="-1" strike="noStrike">
+              <a:latin typeface="Arial"/>
+            </a:endParaRPr>
+          </a:p>
+        </p:txBody>
+      </p:sp>
+      <p:sp>
+        <p:nvSpPr>
+          <p:cNvPr id="22" name="PlaceHolder 4"/>
+          <p:cNvSpPr>
+            <a:spLocks noGrp="1"/>
+          </p:cNvSpPr>
+          <p:nvPr>
+            <p:ph type="body"/>
+          </p:nvPr>
+        </p:nvSpPr>
+        <p:spPr>
+          <a:xfrm>
+            <a:off x="457200" y="2761200"/>
+            <a:ext cx="8228880" cy="1422360"/>
           </a:xfrm>
           <a:prstGeom prst="rect">
             <a:avLst/>
@@ -1405,7 +1405,7 @@
         <p:spPr>
           <a:xfrm>
             <a:off x="311760" y="744480"/>
-            <a:ext cx="8519760" cy="2052000"/>
+            <a:ext cx="8519400" cy="2051640"/>
           </a:xfrm>
           <a:prstGeom prst="rect">
             <a:avLst/>
@@ -1422,6 +1422,185 @@
                 <a:latin typeface="Arial"/>
               </a:rPr>
               <a:t>Click to edit the title text format</a:t>
+            </a:r>
+            <a:endParaRPr b="0" lang="en-US" sz="1800" spc="-1" strike="noStrike">
+              <a:latin typeface="Arial"/>
+            </a:endParaRPr>
+          </a:p>
+        </p:txBody>
+      </p:sp>
+      <p:sp>
+        <p:nvSpPr>
+          <p:cNvPr id="1" name="PlaceHolder 2"/>
+          <p:cNvSpPr>
+            <a:spLocks noGrp="1"/>
+          </p:cNvSpPr>
+          <p:nvPr>
+            <p:ph type="body"/>
+          </p:nvPr>
+        </p:nvSpPr>
+        <p:spPr>
+          <a:xfrm>
+            <a:off x="457200" y="1203480"/>
+            <a:ext cx="8228880" cy="2982600"/>
+          </a:xfrm>
+          <a:prstGeom prst="rect">
+            <a:avLst/>
+          </a:prstGeom>
+        </p:spPr>
+        <p:txBody>
+          <a:bodyPr lIns="0" rIns="0" tIns="0" bIns="0">
+            <a:normAutofit/>
+          </a:bodyPr>
+          <a:p>
+            <a:pPr marL="432000" indent="-324000" algn="ctr">
+              <a:spcBef>
+                <a:spcPts val="1417"/>
+              </a:spcBef>
+              <a:buClr>
+                <a:srgbClr val="000000"/>
+              </a:buClr>
+              <a:buSzPct val="45000"/>
+              <a:buFont typeface="Wingdings" charset="2"/>
+              <a:buChar char=""/>
+            </a:pPr>
+            <a:r>
+              <a:rPr b="0" lang="en-US" sz="1800" spc="-1" strike="noStrike">
+                <a:latin typeface="Arial"/>
+              </a:rPr>
+              <a:t>Click to edit the outline text format</a:t>
+            </a:r>
+            <a:endParaRPr b="0" lang="en-US" sz="1800" spc="-1" strike="noStrike">
+              <a:latin typeface="Arial"/>
+            </a:endParaRPr>
+          </a:p>
+          <a:p>
+            <a:pPr lvl="1" marL="864000" indent="-324000" algn="ctr">
+              <a:spcBef>
+                <a:spcPts val="1134"/>
+              </a:spcBef>
+              <a:buClr>
+                <a:srgbClr val="000000"/>
+              </a:buClr>
+              <a:buSzPct val="75000"/>
+              <a:buFont typeface="Symbol" charset="2"/>
+              <a:buChar char=""/>
+            </a:pPr>
+            <a:r>
+              <a:rPr b="0" lang="en-US" sz="1800" spc="-1" strike="noStrike">
+                <a:latin typeface="Arial"/>
+              </a:rPr>
+              <a:t>Second Outline Level</a:t>
+            </a:r>
+            <a:endParaRPr b="0" lang="en-US" sz="1800" spc="-1" strike="noStrike">
+              <a:latin typeface="Arial"/>
+            </a:endParaRPr>
+          </a:p>
+          <a:p>
+            <a:pPr lvl="2" marL="1296000" indent="-288000" algn="ctr">
+              <a:spcBef>
+                <a:spcPts val="850"/>
+              </a:spcBef>
+              <a:buClr>
+                <a:srgbClr val="000000"/>
+              </a:buClr>
+              <a:buSzPct val="45000"/>
+              <a:buFont typeface="Wingdings" charset="2"/>
+              <a:buChar char=""/>
+            </a:pPr>
+            <a:r>
+              <a:rPr b="0" lang="en-US" sz="1800" spc="-1" strike="noStrike">
+                <a:latin typeface="Arial"/>
+              </a:rPr>
+              <a:t>Third Outline Level</a:t>
+            </a:r>
+            <a:endParaRPr b="0" lang="en-US" sz="1800" spc="-1" strike="noStrike">
+              <a:latin typeface="Arial"/>
+            </a:endParaRPr>
+          </a:p>
+          <a:p>
+            <a:pPr lvl="3" marL="1728000" indent="-216000" algn="ctr">
+              <a:spcBef>
+                <a:spcPts val="567"/>
+              </a:spcBef>
+              <a:buClr>
+                <a:srgbClr val="000000"/>
+              </a:buClr>
+              <a:buSzPct val="75000"/>
+              <a:buFont typeface="Symbol" charset="2"/>
+              <a:buChar char=""/>
+            </a:pPr>
+            <a:r>
+              <a:rPr b="0" lang="en-US" sz="1800" spc="-1" strike="noStrike">
+                <a:latin typeface="Arial"/>
+              </a:rPr>
+              <a:t>Fourth Outline Level</a:t>
+            </a:r>
+            <a:endParaRPr b="0" lang="en-US" sz="1800" spc="-1" strike="noStrike">
+              <a:latin typeface="Arial"/>
+            </a:endParaRPr>
+          </a:p>
+          <a:p>
+            <a:pPr lvl="4" marL="2160000" indent="-216000" algn="ctr">
+              <a:spcBef>
+                <a:spcPts val="283"/>
+              </a:spcBef>
+              <a:buClr>
+                <a:srgbClr val="000000"/>
+              </a:buClr>
+              <a:buSzPct val="45000"/>
+              <a:buFont typeface="Wingdings" charset="2"/>
+              <a:buChar char=""/>
+            </a:pPr>
+            <a:r>
+              <a:rPr b="0" lang="en-US" sz="1800" spc="-1" strike="noStrike">
+                <a:latin typeface="Arial"/>
+              </a:rPr>
+              <a:t>Fifth Outline Level</a:t>
+            </a:r>
+            <a:endParaRPr b="0" lang="en-US" sz="1800" spc="-1" strike="noStrike">
+              <a:latin typeface="Arial"/>
+            </a:endParaRPr>
+          </a:p>
+          <a:p>
+            <a:pPr lvl="5" marL="2592000" indent="-216000" algn="ctr">
+              <a:spcBef>
+                <a:spcPts val="283"/>
+              </a:spcBef>
+              <a:buClr>
+                <a:srgbClr val="000000"/>
+              </a:buClr>
+              <a:buSzPct val="45000"/>
+              <a:buFont typeface="Wingdings" charset="2"/>
+              <a:buChar char=""/>
+            </a:pPr>
+            <a:r>
+              <a:rPr b="0" lang="en-US" sz="1800" spc="-1" strike="noStrike">
+                <a:latin typeface="Arial"/>
+              </a:rPr>
+              <a:t>Sixth Outline Level</a:t>
+            </a:r>
+            <a:endParaRPr b="0" lang="en-US" sz="1800" spc="-1" strike="noStrike">
+              <a:latin typeface="Arial"/>
+            </a:endParaRPr>
+          </a:p>
+          <a:p>
+            <a:pPr lvl="6" marL="3024000" indent="-216000" algn="ctr">
+              <a:spcBef>
+                <a:spcPts val="283"/>
+              </a:spcBef>
+              <a:buClr>
+                <a:srgbClr val="000000"/>
+              </a:buClr>
+              <a:buSzPct val="45000"/>
+              <a:buFont typeface="Wingdings" charset="2"/>
+              <a:buChar char=""/>
+            </a:pPr>
+            <a:r>
+              <a:rPr b="0" lang="en-US" sz="1800" spc="-1" strike="noStrike">
+                <a:latin typeface="Arial"/>
+              </a:rPr>
+              <a:t>Seventh Outline Level</a:t>
             </a:r>
             <a:endParaRPr b="0" lang="en-US" sz="1800" spc="-1" strike="noStrike">
               <a:latin typeface="Arial"/>
@@ -1468,7 +1647,7 @@
       </p:grpSpPr>
       <p:pic>
         <p:nvPicPr>
-          <p:cNvPr id="37" name="Picture 2" descr=""/>
+          <p:cNvPr id="38" name="Picture 2" descr=""/>
           <p:cNvPicPr/>
           <p:nvPr/>
         </p:nvPicPr>
@@ -1479,7 +1658,7 @@
         <p:spPr>
           <a:xfrm>
             <a:off x="0" y="0"/>
-            <a:ext cx="9143280" cy="5153400"/>
+            <a:ext cx="9142920" cy="5153040"/>
           </a:xfrm>
           <a:prstGeom prst="rect">
             <a:avLst/>
@@ -1491,14 +1670,14 @@
       </p:pic>
       <p:sp>
         <p:nvSpPr>
-          <p:cNvPr id="38" name="CustomShape 1"/>
+          <p:cNvPr id="39" name="CustomShape 1"/>
           <p:cNvSpPr/>
           <p:nvPr/>
         </p:nvSpPr>
         <p:spPr>
           <a:xfrm>
             <a:off x="311760" y="2834280"/>
-            <a:ext cx="8519760" cy="792000"/>
+            <a:ext cx="8519400" cy="791640"/>
           </a:xfrm>
           <a:prstGeom prst="rect">
             <a:avLst/>
@@ -1545,14 +1724,14 @@
       </p:sp>
       <p:sp>
         <p:nvSpPr>
-          <p:cNvPr id="39" name="CustomShape 2"/>
+          <p:cNvPr id="40" name="CustomShape 2"/>
           <p:cNvSpPr/>
           <p:nvPr/>
         </p:nvSpPr>
         <p:spPr>
           <a:xfrm>
             <a:off x="437760" y="3800160"/>
-            <a:ext cx="8519760" cy="792000"/>
+            <a:ext cx="8519400" cy="791640"/>
           </a:xfrm>
           <a:prstGeom prst="rect">
             <a:avLst/>
@@ -1599,14 +1778,14 @@
       </p:sp>
       <p:sp>
         <p:nvSpPr>
-          <p:cNvPr id="40" name="CustomShape 3"/>
+          <p:cNvPr id="41" name="CustomShape 3"/>
           <p:cNvSpPr/>
           <p:nvPr/>
         </p:nvSpPr>
         <p:spPr>
           <a:xfrm>
             <a:off x="533520" y="1866960"/>
-            <a:ext cx="8016840" cy="618480"/>
+            <a:ext cx="8016480" cy="618120"/>
           </a:xfrm>
           <a:prstGeom prst="rect">
             <a:avLst/>
@@ -1633,7 +1812,7 @@
               </a:lnSpc>
             </a:pPr>
             <a:r>
-              <a:rPr b="0" lang="en-US" sz="3600" spc="-1" strike="noStrike">
+              <a:rPr b="0" lang="en-US" sz="3200" spc="-1" strike="noStrike">
                 <a:solidFill>
                   <a:srgbClr val="000000"/>
                 </a:solidFill>
@@ -1642,22 +1821,22 @@
               </a:rPr>
               <a:t>{eventTitle}</a:t>
             </a:r>
-            <a:endParaRPr b="0" lang="en-US" sz="3600" spc="-1" strike="noStrike">
-              <a:latin typeface="Arial"/>
-            </a:endParaRPr>
-          </a:p>
-        </p:txBody>
-      </p:sp>
-      <p:sp>
-        <p:nvSpPr>
-          <p:cNvPr id="41" name="CustomShape 4"/>
+            <a:endParaRPr b="0" lang="en-US" sz="3200" spc="-1" strike="noStrike">
+              <a:latin typeface="Arial"/>
+            </a:endParaRPr>
+          </a:p>
+        </p:txBody>
+      </p:sp>
+      <p:sp>
+        <p:nvSpPr>
+          <p:cNvPr id="42" name="CustomShape 4"/>
           <p:cNvSpPr/>
           <p:nvPr/>
         </p:nvSpPr>
         <p:spPr>
           <a:xfrm>
             <a:off x="533520" y="2369160"/>
-            <a:ext cx="8016840" cy="554760"/>
+            <a:ext cx="8016480" cy="554400"/>
           </a:xfrm>
           <a:prstGeom prst="rect">
             <a:avLst/>
@@ -1675,7 +1854,7 @@
         </p:style>
         <p:txBody>
           <a:bodyPr lIns="90000" rIns="90000" tIns="91440" bIns="91440" anchor="b">
-            <a:normAutofit fontScale="61000"/>
+            <a:normAutofit fontScale="89000"/>
           </a:bodyPr>
           <a:p>
             <a:pPr algn="ctr">
@@ -1684,7 +1863,7 @@
               </a:lnSpc>
             </a:pPr>
             <a:r>
-              <a:rPr b="0" lang="en-US" sz="3600" spc="-1" strike="noStrike">
+              <a:rPr b="0" lang="en-US" sz="2800" spc="-1" strike="noStrike">
                 <a:solidFill>
                   <a:srgbClr val="000000"/>
                 </a:solidFill>
@@ -1693,22 +1872,22 @@
               </a:rPr>
               <a:t>{name}</a:t>
             </a:r>
-            <a:endParaRPr b="0" lang="en-US" sz="3600" spc="-1" strike="noStrike">
-              <a:latin typeface="Arial"/>
-            </a:endParaRPr>
-          </a:p>
-        </p:txBody>
-      </p:sp>
-      <p:sp>
-        <p:nvSpPr>
-          <p:cNvPr id="42" name="CustomShape 5"/>
+            <a:endParaRPr b="0" lang="en-US" sz="2800" spc="-1" strike="noStrike">
+              <a:latin typeface="Arial"/>
+            </a:endParaRPr>
+          </a:p>
+        </p:txBody>
+      </p:sp>
+      <p:sp>
+        <p:nvSpPr>
+          <p:cNvPr id="43" name="CustomShape 5"/>
           <p:cNvSpPr/>
           <p:nvPr/>
         </p:nvSpPr>
         <p:spPr>
           <a:xfrm>
-            <a:off x="1463040" y="645840"/>
-            <a:ext cx="7087680" cy="554760"/>
+            <a:off x="563040" y="2855160"/>
+            <a:ext cx="8016480" cy="554400"/>
           </a:xfrm>
           <a:prstGeom prst="rect">
             <a:avLst/>
@@ -1726,7 +1905,7 @@
         </p:style>
         <p:txBody>
           <a:bodyPr lIns="90000" rIns="90000" tIns="91440" bIns="91440" anchor="b">
-            <a:noAutofit/>
+            <a:normAutofit/>
           </a:bodyPr>
           <a:p>
             <a:pPr algn="ctr">
@@ -1735,58 +1914,7 @@
               </a:lnSpc>
             </a:pPr>
             <a:r>
-              <a:rPr b="0" lang="en-US" sz="4000" spc="-1" strike="noStrike">
-                <a:solidFill>
-                  <a:srgbClr val="000000"/>
-                </a:solidFill>
-                <a:latin typeface="Arial"/>
-                <a:ea typeface="Arial"/>
-              </a:rPr>
-              <a:t>{organizerName}</a:t>
-            </a:r>
-            <a:endParaRPr b="0" lang="en-US" sz="4000" spc="-1" strike="noStrike">
-              <a:latin typeface="Arial"/>
-            </a:endParaRPr>
-          </a:p>
-        </p:txBody>
-      </p:sp>
-      <p:sp>
-        <p:nvSpPr>
-          <p:cNvPr id="43" name="CustomShape 6"/>
-          <p:cNvSpPr/>
-          <p:nvPr/>
-        </p:nvSpPr>
-        <p:spPr>
-          <a:xfrm>
-            <a:off x="563040" y="2855160"/>
-            <a:ext cx="8016840" cy="554760"/>
-          </a:xfrm>
-          <a:prstGeom prst="rect">
-            <a:avLst/>
-          </a:prstGeom>
-          <a:noFill/>
-          <a:ln>
-            <a:noFill/>
-          </a:ln>
-        </p:spPr>
-        <p:style>
-          <a:lnRef idx="0"/>
-          <a:fillRef idx="0"/>
-          <a:effectRef idx="0"/>
-          <a:fontRef idx="minor"/>
-        </p:style>
-        <p:txBody>
-          <a:bodyPr lIns="90000" rIns="90000" tIns="91440" bIns="91440" anchor="b">
-            <a:normAutofit/>
-          </a:bodyPr>
-          <a:p>
-            <a:pPr algn="ctr">
-              <a:lnSpc>
-                <a:spcPct val="100000"/>
-              </a:lnSpc>
-            </a:pPr>
-            <a:r>
-              <a:rPr b="0" lang="en-US" sz="2400" spc="-1" strike="noStrike">
+              <a:rPr b="0" lang="en-US" sz="2200" spc="-1" strike="noStrike">
                 <a:solidFill>
                   <a:srgbClr val="000000"/>
                 </a:solidFill>
@@ -1795,22 +1923,22 @@
               </a:rPr>
               <a:t>As {role}</a:t>
             </a:r>
-            <a:endParaRPr b="0" lang="en-US" sz="2400" spc="-1" strike="noStrike">
-              <a:latin typeface="Arial"/>
-            </a:endParaRPr>
-          </a:p>
-        </p:txBody>
-      </p:sp>
-      <p:sp>
-        <p:nvSpPr>
-          <p:cNvPr id="44" name="CustomShape 7"/>
+            <a:endParaRPr b="0" lang="en-US" sz="2200" spc="-1" strike="noStrike">
+              <a:latin typeface="Arial"/>
+            </a:endParaRPr>
+          </a:p>
+        </p:txBody>
+      </p:sp>
+      <p:sp>
+        <p:nvSpPr>
+          <p:cNvPr id="44" name="CustomShape 6"/>
           <p:cNvSpPr/>
           <p:nvPr/>
         </p:nvSpPr>
         <p:spPr>
           <a:xfrm>
             <a:off x="563040" y="3292560"/>
-            <a:ext cx="8016840" cy="554760"/>
+            <a:ext cx="8016480" cy="554400"/>
           </a:xfrm>
           <a:prstGeom prst="rect">
             <a:avLst/>
@@ -1837,7 +1965,7 @@
               </a:lnSpc>
             </a:pPr>
             <a:r>
-              <a:rPr b="0" lang="en-US" sz="2400" spc="-1" strike="noStrike">
+              <a:rPr b="0" lang="en-US" sz="2200" spc="-1" strike="noStrike">
                 <a:solidFill>
                   <a:srgbClr val="000000"/>
                 </a:solidFill>
@@ -1846,22 +1974,22 @@
               </a:rPr>
               <a:t>{eventDate}</a:t>
             </a:r>
-            <a:endParaRPr b="0" lang="en-US" sz="2400" spc="-1" strike="noStrike">
-              <a:latin typeface="Arial"/>
-            </a:endParaRPr>
-          </a:p>
-        </p:txBody>
-      </p:sp>
-      <p:sp>
-        <p:nvSpPr>
-          <p:cNvPr id="45" name="CustomShape 8"/>
+            <a:endParaRPr b="0" lang="en-US" sz="2200" spc="-1" strike="noStrike">
+              <a:latin typeface="Arial"/>
+            </a:endParaRPr>
+          </a:p>
+        </p:txBody>
+      </p:sp>
+      <p:sp>
+        <p:nvSpPr>
+          <p:cNvPr id="45" name="CustomShape 7"/>
           <p:cNvSpPr/>
           <p:nvPr/>
         </p:nvSpPr>
         <p:spPr>
           <a:xfrm>
             <a:off x="544320" y="3918600"/>
-            <a:ext cx="8233560" cy="554760"/>
+            <a:ext cx="8233200" cy="554400"/>
           </a:xfrm>
           <a:prstGeom prst="rect">
             <a:avLst/>
@@ -1888,7 +2016,7 @@
               </a:lnSpc>
             </a:pPr>
             <a:r>
-              <a:rPr b="0" lang="en-US" sz="2400" spc="-1" strike="noStrike">
+              <a:rPr b="0" lang="en-US" sz="2200" spc="-1" strike="noStrike">
                 <a:solidFill>
                   <a:srgbClr val="000000"/>
                 </a:solidFill>
@@ -1897,7 +2025,7 @@
               </a:rPr>
               <a:t>{certificateNumber}</a:t>
             </a:r>
-            <a:endParaRPr b="0" lang="en-US" sz="2400" spc="-1" strike="noStrike">
+            <a:endParaRPr b="0" lang="en-US" sz="2200" spc="-1" strike="noStrike">
               <a:latin typeface="Arial"/>
             </a:endParaRPr>
           </a:p>
